--- a/인어공주 노아 구.pptx
+++ b/인어공주 노아 구.pptx
@@ -120,6 +120,11 @@
       </a:defRPr>
     </a:lvl9pPr>
   </p:defaultTextStyle>
+  <p:extLst>
+    <p:ext uri="{EFAFB233-063F-42B5-8137-9DF3F51BA10A}">
+      <p15:sldGuideLst xmlns:p15="http://schemas.microsoft.com/office/powerpoint/2012/main"/>
+    </p:ext>
+  </p:extLst>
 </p:presentation>
 </file>
 
@@ -868,7 +873,7 @@
           <a:p>
             <a:fld id="{9719897A-136B-4E88-BCCA-F39ADA16C7F0}" type="datetimeFigureOut">
               <a:rPr lang="ko-KR" altLang="en-US" smtClean="0"/>
-              <a:t>2024-07-11</a:t>
+              <a:t>2024-08-18</a:t>
             </a:fld>
             <a:endParaRPr lang="ko-KR" altLang="en-US"/>
           </a:p>
@@ -1119,7 +1124,7 @@
           <a:p>
             <a:fld id="{9719897A-136B-4E88-BCCA-F39ADA16C7F0}" type="datetimeFigureOut">
               <a:rPr lang="ko-KR" altLang="en-US" smtClean="0"/>
-              <a:t>2024-07-11</a:t>
+              <a:t>2024-08-18</a:t>
             </a:fld>
             <a:endParaRPr lang="ko-KR" altLang="en-US"/>
           </a:p>
@@ -1433,7 +1438,7 @@
           <a:p>
             <a:fld id="{9719897A-136B-4E88-BCCA-F39ADA16C7F0}" type="datetimeFigureOut">
               <a:rPr lang="ko-KR" altLang="en-US" smtClean="0"/>
-              <a:t>2024-07-11</a:t>
+              <a:t>2024-08-18</a:t>
             </a:fld>
             <a:endParaRPr lang="ko-KR" altLang="en-US"/>
           </a:p>
@@ -1766,7 +1771,7 @@
           <a:p>
             <a:fld id="{9719897A-136B-4E88-BCCA-F39ADA16C7F0}" type="datetimeFigureOut">
               <a:rPr lang="ko-KR" altLang="en-US" smtClean="0"/>
-              <a:t>2024-07-11</a:t>
+              <a:t>2024-08-18</a:t>
             </a:fld>
             <a:endParaRPr lang="ko-KR" altLang="en-US"/>
           </a:p>
@@ -2080,7 +2085,7 @@
           <a:p>
             <a:fld id="{9719897A-136B-4E88-BCCA-F39ADA16C7F0}" type="datetimeFigureOut">
               <a:rPr lang="ko-KR" altLang="en-US" smtClean="0"/>
-              <a:t>2024-07-11</a:t>
+              <a:t>2024-08-18</a:t>
             </a:fld>
             <a:endParaRPr lang="ko-KR" altLang="en-US"/>
           </a:p>
@@ -2473,7 +2478,7 @@
           <a:p>
             <a:fld id="{9719897A-136B-4E88-BCCA-F39ADA16C7F0}" type="datetimeFigureOut">
               <a:rPr lang="ko-KR" altLang="en-US" smtClean="0"/>
-              <a:t>2024-07-11</a:t>
+              <a:t>2024-08-18</a:t>
             </a:fld>
             <a:endParaRPr lang="ko-KR" altLang="en-US"/>
           </a:p>
@@ -2643,7 +2648,7 @@
           <a:p>
             <a:fld id="{9719897A-136B-4E88-BCCA-F39ADA16C7F0}" type="datetimeFigureOut">
               <a:rPr lang="ko-KR" altLang="en-US" smtClean="0"/>
-              <a:t>2024-07-11</a:t>
+              <a:t>2024-08-18</a:t>
             </a:fld>
             <a:endParaRPr lang="ko-KR" altLang="en-US"/>
           </a:p>
@@ -2823,7 +2828,7 @@
           <a:p>
             <a:fld id="{9719897A-136B-4E88-BCCA-F39ADA16C7F0}" type="datetimeFigureOut">
               <a:rPr lang="ko-KR" altLang="en-US" smtClean="0"/>
-              <a:t>2024-07-11</a:t>
+              <a:t>2024-08-18</a:t>
             </a:fld>
             <a:endParaRPr lang="ko-KR" altLang="en-US"/>
           </a:p>
@@ -2993,7 +2998,7 @@
           <a:p>
             <a:fld id="{9719897A-136B-4E88-BCCA-F39ADA16C7F0}" type="datetimeFigureOut">
               <a:rPr lang="ko-KR" altLang="en-US" smtClean="0"/>
-              <a:t>2024-07-11</a:t>
+              <a:t>2024-08-18</a:t>
             </a:fld>
             <a:endParaRPr lang="ko-KR" altLang="en-US"/>
           </a:p>
@@ -3240,7 +3245,7 @@
           <a:p>
             <a:fld id="{9719897A-136B-4E88-BCCA-F39ADA16C7F0}" type="datetimeFigureOut">
               <a:rPr lang="ko-KR" altLang="en-US" smtClean="0"/>
-              <a:t>2024-07-11</a:t>
+              <a:t>2024-08-18</a:t>
             </a:fld>
             <a:endParaRPr lang="ko-KR" altLang="en-US"/>
           </a:p>
@@ -3472,7 +3477,7 @@
           <a:p>
             <a:fld id="{9719897A-136B-4E88-BCCA-F39ADA16C7F0}" type="datetimeFigureOut">
               <a:rPr lang="ko-KR" altLang="en-US" smtClean="0"/>
-              <a:t>2024-07-11</a:t>
+              <a:t>2024-08-18</a:t>
             </a:fld>
             <a:endParaRPr lang="ko-KR" altLang="en-US"/>
           </a:p>
@@ -3846,7 +3851,7 @@
           <a:p>
             <a:fld id="{9719897A-136B-4E88-BCCA-F39ADA16C7F0}" type="datetimeFigureOut">
               <a:rPr lang="ko-KR" altLang="en-US" smtClean="0"/>
-              <a:t>2024-07-11</a:t>
+              <a:t>2024-08-18</a:t>
             </a:fld>
             <a:endParaRPr lang="ko-KR" altLang="en-US"/>
           </a:p>
@@ -3969,7 +3974,7 @@
           <a:p>
             <a:fld id="{9719897A-136B-4E88-BCCA-F39ADA16C7F0}" type="datetimeFigureOut">
               <a:rPr lang="ko-KR" altLang="en-US" smtClean="0"/>
-              <a:t>2024-07-11</a:t>
+              <a:t>2024-08-18</a:t>
             </a:fld>
             <a:endParaRPr lang="ko-KR" altLang="en-US"/>
           </a:p>
@@ -4064,7 +4069,7 @@
           <a:p>
             <a:fld id="{9719897A-136B-4E88-BCCA-F39ADA16C7F0}" type="datetimeFigureOut">
               <a:rPr lang="ko-KR" altLang="en-US" smtClean="0"/>
-              <a:t>2024-07-11</a:t>
+              <a:t>2024-08-18</a:t>
             </a:fld>
             <a:endParaRPr lang="ko-KR" altLang="en-US"/>
           </a:p>
@@ -4319,7 +4324,7 @@
           <a:p>
             <a:fld id="{9719897A-136B-4E88-BCCA-F39ADA16C7F0}" type="datetimeFigureOut">
               <a:rPr lang="ko-KR" altLang="en-US" smtClean="0"/>
-              <a:t>2024-07-11</a:t>
+              <a:t>2024-08-18</a:t>
             </a:fld>
             <a:endParaRPr lang="ko-KR" altLang="en-US"/>
           </a:p>
@@ -4624,7 +4629,7 @@
           <a:p>
             <a:fld id="{9719897A-136B-4E88-BCCA-F39ADA16C7F0}" type="datetimeFigureOut">
               <a:rPr lang="ko-KR" altLang="en-US" smtClean="0"/>
-              <a:t>2024-07-11</a:t>
+              <a:t>2024-08-18</a:t>
             </a:fld>
             <a:endParaRPr lang="ko-KR" altLang="en-US"/>
           </a:p>
@@ -5326,7 +5331,7 @@
           <a:p>
             <a:fld id="{9719897A-136B-4E88-BCCA-F39ADA16C7F0}" type="datetimeFigureOut">
               <a:rPr lang="ko-KR" altLang="en-US" smtClean="0"/>
-              <a:t>2024-07-11</a:t>
+              <a:t>2024-08-18</a:t>
             </a:fld>
             <a:endParaRPr lang="ko-KR" altLang="en-US"/>
           </a:p>
@@ -5879,6 +5884,26 @@
               </a:rPr>
               <a:t>노아</a:t>
             </a:r>
+            <a:r>
+              <a:rPr lang="en-US" altLang="ko-KR" sz="8000" dirty="0" smtClean="0">
+                <a:latin typeface="777봉숭아틴트" panose="02020603020101020101" pitchFamily="18" charset="-127"/>
+                <a:ea typeface="777봉숭아틴트" panose="02020603020101020101" pitchFamily="18" charset="-127"/>
+              </a:rPr>
+              <a:t/>
+            </a:r>
+            <a:br>
+              <a:rPr lang="en-US" altLang="ko-KR" sz="8000" dirty="0" smtClean="0">
+                <a:latin typeface="777봉숭아틴트" panose="02020603020101020101" pitchFamily="18" charset="-127"/>
+                <a:ea typeface="777봉숭아틴트" panose="02020603020101020101" pitchFamily="18" charset="-127"/>
+              </a:rPr>
+            </a:br>
+            <a:r>
+              <a:rPr lang="ko-KR" altLang="en-US" sz="8000" smtClean="0">
+                <a:latin typeface="777봉숭아틴트" panose="02020603020101020101" pitchFamily="18" charset="-127"/>
+                <a:ea typeface="777봉숭아틴트" panose="02020603020101020101" pitchFamily="18" charset="-127"/>
+              </a:rPr>
+              <a:t>최종발표</a:t>
+            </a:r>
             <a:endParaRPr lang="ko-KR" altLang="en-US" sz="8000" dirty="0">
               <a:latin typeface="777봉숭아틴트" panose="02020603020101020101" pitchFamily="18" charset="-127"/>
               <a:ea typeface="777봉숭아틴트" panose="02020603020101020101" pitchFamily="18" charset="-127"/>
